--- a/powerpoints/Day_29.pptx
+++ b/powerpoints/Day_29.pptx
@@ -28750,7 +28750,7 @@
             </a:r>
             <a:r>
               <a:rPr lang="en-US" dirty="0"/>
-              <a:t> – name of location for where file will be written. Should reflect your project settings i.e. your maven group-id</a:t>
+              <a:t> – name of location for where file will be written. Should reflect your project settings i.e. a specified package</a:t>
             </a:r>
           </a:p>
           <a:p>
